--- a/Day 9 - CSS – Continued.pptx
+++ b/Day 9 - CSS – Continued.pptx
@@ -11,9 +11,7 @@
     <p:sldId id="261" r:id="rId5"/>
     <p:sldId id="259" r:id="rId6"/>
     <p:sldId id="262" r:id="rId7"/>
-    <p:sldId id="264" r:id="rId8"/>
-    <p:sldId id="265" r:id="rId9"/>
-    <p:sldId id="263" r:id="rId10"/>
+    <p:sldId id="263" r:id="rId8"/>
   </p:sldIdLst>
   <p:sldSz cx="12192000" cy="6858000"/>
   <p:notesSz cx="6858000" cy="9144000"/>
@@ -112,6 +110,11 @@
       </a:defRPr>
     </a:lvl9pPr>
   </p:defaultTextStyle>
+  <p:extLst>
+    <p:ext uri="{EFAFB233-063F-42B5-8137-9DF3F51BA10A}">
+      <p15:sldGuideLst xmlns:p15="http://schemas.microsoft.com/office/powerpoint/2012/main"/>
+    </p:ext>
+  </p:extLst>
 </p:presentation>
 </file>
 
@@ -6052,6 +6055,13 @@
   <p:clrMapOvr>
     <a:masterClrMapping/>
   </p:clrMapOvr>
+  <p:timing>
+    <p:tnLst>
+      <p:par>
+        <p:cTn id="1" dur="indefinite" restart="never" nodeType="tmRoot"/>
+      </p:par>
+    </p:tnLst>
+  </p:timing>
 </p:sld>
 </file>
 
@@ -6233,6 +6243,13 @@
   <p:clrMapOvr>
     <a:masterClrMapping/>
   </p:clrMapOvr>
+  <p:timing>
+    <p:tnLst>
+      <p:par>
+        <p:cTn id="1" dur="indefinite" restart="never" nodeType="tmRoot"/>
+      </p:par>
+    </p:tnLst>
+  </p:timing>
 </p:sld>
 </file>
 
@@ -6400,6 +6417,13 @@
   <p:clrMapOvr>
     <a:masterClrMapping/>
   </p:clrMapOvr>
+  <p:timing>
+    <p:tnLst>
+      <p:par>
+        <p:cTn id="1" dur="indefinite" restart="never" nodeType="tmRoot"/>
+      </p:par>
+    </p:tnLst>
+  </p:timing>
 </p:sld>
 </file>
 
@@ -6599,6 +6623,13 @@
   <p:clrMapOvr>
     <a:masterClrMapping/>
   </p:clrMapOvr>
+  <p:timing>
+    <p:tnLst>
+      <p:par>
+        <p:cTn id="1" dur="indefinite" restart="never" nodeType="tmRoot"/>
+      </p:par>
+    </p:tnLst>
+  </p:timing>
 </p:sld>
 </file>
 
@@ -7153,6 +7184,13 @@
   <p:clrMapOvr>
     <a:masterClrMapping/>
   </p:clrMapOvr>
+  <p:timing>
+    <p:tnLst>
+      <p:par>
+        <p:cTn id="1" dur="indefinite" restart="never" nodeType="tmRoot"/>
+      </p:par>
+    </p:tnLst>
+  </p:timing>
 </p:sld>
 </file>
 
@@ -8002,6 +8040,13 @@
   <p:clrMapOvr>
     <a:masterClrMapping/>
   </p:clrMapOvr>
+  <p:timing>
+    <p:tnLst>
+      <p:par>
+        <p:cTn id="1" dur="indefinite" restart="never" nodeType="tmRoot"/>
+      </p:par>
+    </p:tnLst>
+  </p:timing>
 </p:sld>
 </file>
 
@@ -8027,1991 +8072,6 @@
           <p:cNvPr id="2" name="Title 1">
             <a:extLst>
               <a:ext uri="{FF2B5EF4-FFF2-40B4-BE49-F238E27FC236}">
-                <a16:creationId xmlns:a16="http://schemas.microsoft.com/office/drawing/2014/main" id="{958B21A8-264E-47C8-88FF-44CB6663D478}"/>
-              </a:ext>
-            </a:extLst>
-          </p:cNvPr>
-          <p:cNvSpPr>
-            <a:spLocks noGrp="1"/>
-          </p:cNvSpPr>
-          <p:nvPr>
-            <p:ph type="title"/>
-          </p:nvPr>
-        </p:nvSpPr>
-        <p:spPr>
-          <a:xfrm>
-            <a:off x="646111" y="452718"/>
-            <a:ext cx="9404723" cy="753230"/>
-          </a:xfrm>
-        </p:spPr>
-        <p:txBody>
-          <a:bodyPr/>
-          <a:lstStyle/>
-          <a:p>
-            <a:r>
-              <a:rPr lang="en-US" dirty="0"/>
-              <a:t>CSS Layout - The display Property</a:t>
-            </a:r>
-          </a:p>
-        </p:txBody>
-      </p:sp>
-      <p:sp>
-        <p:nvSpPr>
-          <p:cNvPr id="3" name="Content Placeholder 2">
-            <a:extLst>
-              <a:ext uri="{FF2B5EF4-FFF2-40B4-BE49-F238E27FC236}">
-                <a16:creationId xmlns:a16="http://schemas.microsoft.com/office/drawing/2014/main" id="{A319EA50-BD0D-47C8-B810-5C69C8F4B37C}"/>
-              </a:ext>
-            </a:extLst>
-          </p:cNvPr>
-          <p:cNvSpPr>
-            <a:spLocks noGrp="1"/>
-          </p:cNvSpPr>
-          <p:nvPr>
-            <p:ph idx="1"/>
-          </p:nvPr>
-        </p:nvSpPr>
-        <p:spPr>
-          <a:xfrm>
-            <a:off x="1103312" y="1205949"/>
-            <a:ext cx="9962253" cy="1046922"/>
-          </a:xfrm>
-        </p:spPr>
-        <p:txBody>
-          <a:bodyPr>
-            <a:normAutofit/>
-          </a:bodyPr>
-          <a:lstStyle/>
-          <a:p>
-            <a:r>
-              <a:rPr lang="en-US" dirty="0"/>
-              <a:t>The display property is the most important CSS property for controlling layout.</a:t>
-            </a:r>
-          </a:p>
-          <a:p>
-            <a:r>
-              <a:rPr lang="en-US" dirty="0">
-                <a:hlinkClick r:id="rId2"/>
-              </a:rPr>
-              <a:t>https://www.w3schools.com/css/css_display_visibility.asp</a:t>
-            </a:r>
-            <a:endParaRPr lang="en-US" dirty="0"/>
-          </a:p>
-        </p:txBody>
-      </p:sp>
-      <p:sp>
-        <p:nvSpPr>
-          <p:cNvPr id="5" name="Title 1">
-            <a:extLst>
-              <a:ext uri="{FF2B5EF4-FFF2-40B4-BE49-F238E27FC236}">
-                <a16:creationId xmlns:a16="http://schemas.microsoft.com/office/drawing/2014/main" id="{191D7043-78A8-46E7-8DC7-8F7137C3134E}"/>
-              </a:ext>
-            </a:extLst>
-          </p:cNvPr>
-          <p:cNvSpPr txBox="1">
-            <a:spLocks/>
-          </p:cNvSpPr>
-          <p:nvPr/>
-        </p:nvSpPr>
-        <p:spPr>
-          <a:xfrm>
-            <a:off x="646111" y="2102614"/>
-            <a:ext cx="9404723" cy="753230"/>
-          </a:xfrm>
-          <a:prstGeom prst="rect">
-            <a:avLst/>
-          </a:prstGeom>
-        </p:spPr>
-        <p:txBody>
-          <a:bodyPr vert="horz" lIns="91440" tIns="45720" rIns="91440" bIns="45720" rtlCol="0" anchor="t">
-            <a:noAutofit/>
-          </a:bodyPr>
-          <a:lstStyle>
-            <a:lvl1pPr algn="l" defTabSz="457200" rtl="0" eaLnBrk="1" latinLnBrk="0" hangingPunct="1">
-              <a:spcBef>
-                <a:spcPct val="0"/>
-              </a:spcBef>
-              <a:buNone/>
-              <a:defRPr sz="4200" b="0" i="0" kern="1200">
-                <a:solidFill>
-                  <a:schemeClr val="tx2"/>
-                </a:solidFill>
-                <a:latin typeface="+mj-lt"/>
-                <a:ea typeface="+mj-ea"/>
-                <a:cs typeface="+mj-cs"/>
-              </a:defRPr>
-            </a:lvl1pPr>
-            <a:lvl2pPr eaLnBrk="1" hangingPunct="1">
-              <a:defRPr>
-                <a:solidFill>
-                  <a:schemeClr val="tx2"/>
-                </a:solidFill>
-              </a:defRPr>
-            </a:lvl2pPr>
-            <a:lvl3pPr eaLnBrk="1" hangingPunct="1">
-              <a:defRPr>
-                <a:solidFill>
-                  <a:schemeClr val="tx2"/>
-                </a:solidFill>
-              </a:defRPr>
-            </a:lvl3pPr>
-            <a:lvl4pPr eaLnBrk="1" hangingPunct="1">
-              <a:defRPr>
-                <a:solidFill>
-                  <a:schemeClr val="tx2"/>
-                </a:solidFill>
-              </a:defRPr>
-            </a:lvl4pPr>
-            <a:lvl5pPr eaLnBrk="1" hangingPunct="1">
-              <a:defRPr>
-                <a:solidFill>
-                  <a:schemeClr val="tx2"/>
-                </a:solidFill>
-              </a:defRPr>
-            </a:lvl5pPr>
-            <a:lvl6pPr eaLnBrk="1" hangingPunct="1">
-              <a:defRPr>
-                <a:solidFill>
-                  <a:schemeClr val="tx2"/>
-                </a:solidFill>
-              </a:defRPr>
-            </a:lvl6pPr>
-            <a:lvl7pPr eaLnBrk="1" hangingPunct="1">
-              <a:defRPr>
-                <a:solidFill>
-                  <a:schemeClr val="tx2"/>
-                </a:solidFill>
-              </a:defRPr>
-            </a:lvl7pPr>
-            <a:lvl8pPr eaLnBrk="1" hangingPunct="1">
-              <a:defRPr>
-                <a:solidFill>
-                  <a:schemeClr val="tx2"/>
-                </a:solidFill>
-              </a:defRPr>
-            </a:lvl8pPr>
-            <a:lvl9pPr eaLnBrk="1" hangingPunct="1">
-              <a:defRPr>
-                <a:solidFill>
-                  <a:schemeClr val="tx2"/>
-                </a:solidFill>
-              </a:defRPr>
-            </a:lvl9pPr>
-          </a:lstStyle>
-          <a:p>
-            <a:r>
-              <a:rPr lang="en-US" dirty="0"/>
-              <a:t>CSS Layout - width and max-width</a:t>
-            </a:r>
-          </a:p>
-          <a:p>
-            <a:br>
-              <a:rPr lang="en-US" dirty="0"/>
-            </a:br>
-            <a:endParaRPr lang="en-US" dirty="0"/>
-          </a:p>
-        </p:txBody>
-      </p:sp>
-      <p:sp>
-        <p:nvSpPr>
-          <p:cNvPr id="6" name="Content Placeholder 2">
-            <a:extLst>
-              <a:ext uri="{FF2B5EF4-FFF2-40B4-BE49-F238E27FC236}">
-                <a16:creationId xmlns:a16="http://schemas.microsoft.com/office/drawing/2014/main" id="{8933ABEF-C9AA-41AC-90C0-97F972A6B92D}"/>
-              </a:ext>
-            </a:extLst>
-          </p:cNvPr>
-          <p:cNvSpPr txBox="1">
-            <a:spLocks/>
-          </p:cNvSpPr>
-          <p:nvPr/>
-        </p:nvSpPr>
-        <p:spPr>
-          <a:xfrm>
-            <a:off x="1103312" y="2855845"/>
-            <a:ext cx="8946541" cy="1046922"/>
-          </a:xfrm>
-          <a:prstGeom prst="rect">
-            <a:avLst/>
-          </a:prstGeom>
-        </p:spPr>
-        <p:txBody>
-          <a:bodyPr vert="horz" lIns="91440" tIns="45720" rIns="91440" bIns="45720" rtlCol="0">
-            <a:normAutofit/>
-          </a:bodyPr>
-          <a:lstStyle>
-            <a:lvl1pPr marL="342900" indent="-342900" algn="l" defTabSz="457200" rtl="0" eaLnBrk="1" latinLnBrk="0" hangingPunct="1">
-              <a:spcBef>
-                <a:spcPts val="1000"/>
-              </a:spcBef>
-              <a:spcAft>
-                <a:spcPts val="0"/>
-              </a:spcAft>
-              <a:buClr>
-                <a:schemeClr val="accent1"/>
-              </a:buClr>
-              <a:buSzPct val="80000"/>
-              <a:buFont typeface="Wingdings 3" charset="2"/>
-              <a:buChar char=""/>
-              <a:defRPr sz="2000" b="0" i="0" kern="1200">
-                <a:solidFill>
-                  <a:schemeClr val="tx1"/>
-                </a:solidFill>
-                <a:latin typeface="+mj-lt"/>
-                <a:ea typeface="+mj-ea"/>
-                <a:cs typeface="+mj-cs"/>
-              </a:defRPr>
-            </a:lvl1pPr>
-            <a:lvl2pPr marL="742950" indent="-285750" algn="l" defTabSz="457200" rtl="0" eaLnBrk="1" latinLnBrk="0" hangingPunct="1">
-              <a:spcBef>
-                <a:spcPts val="1000"/>
-              </a:spcBef>
-              <a:spcAft>
-                <a:spcPts val="0"/>
-              </a:spcAft>
-              <a:buClr>
-                <a:schemeClr val="accent1"/>
-              </a:buClr>
-              <a:buSzPct val="80000"/>
-              <a:buFont typeface="Wingdings 3" charset="2"/>
-              <a:buChar char=""/>
-              <a:defRPr sz="1800" b="0" i="0" kern="1200">
-                <a:solidFill>
-                  <a:schemeClr val="tx1"/>
-                </a:solidFill>
-                <a:latin typeface="+mj-lt"/>
-                <a:ea typeface="+mj-ea"/>
-                <a:cs typeface="+mj-cs"/>
-              </a:defRPr>
-            </a:lvl2pPr>
-            <a:lvl3pPr marL="1143000" indent="-228600" algn="l" defTabSz="457200" rtl="0" eaLnBrk="1" latinLnBrk="0" hangingPunct="1">
-              <a:spcBef>
-                <a:spcPts val="1000"/>
-              </a:spcBef>
-              <a:spcAft>
-                <a:spcPts val="0"/>
-              </a:spcAft>
-              <a:buClr>
-                <a:schemeClr val="accent1"/>
-              </a:buClr>
-              <a:buSzPct val="80000"/>
-              <a:buFont typeface="Wingdings 3" charset="2"/>
-              <a:buChar char=""/>
-              <a:defRPr sz="1600" b="0" i="0" kern="1200">
-                <a:solidFill>
-                  <a:schemeClr val="tx1"/>
-                </a:solidFill>
-                <a:latin typeface="+mj-lt"/>
-                <a:ea typeface="+mj-ea"/>
-                <a:cs typeface="+mj-cs"/>
-              </a:defRPr>
-            </a:lvl3pPr>
-            <a:lvl4pPr marL="1600200" indent="-228600" algn="l" defTabSz="457200" rtl="0" eaLnBrk="1" latinLnBrk="0" hangingPunct="1">
-              <a:spcBef>
-                <a:spcPts val="1000"/>
-              </a:spcBef>
-              <a:spcAft>
-                <a:spcPts val="0"/>
-              </a:spcAft>
-              <a:buClr>
-                <a:schemeClr val="accent1"/>
-              </a:buClr>
-              <a:buSzPct val="80000"/>
-              <a:buFont typeface="Wingdings 3" charset="2"/>
-              <a:buChar char=""/>
-              <a:defRPr sz="1400" b="0" i="0" kern="1200">
-                <a:solidFill>
-                  <a:schemeClr val="tx1"/>
-                </a:solidFill>
-                <a:latin typeface="+mj-lt"/>
-                <a:ea typeface="+mj-ea"/>
-                <a:cs typeface="+mj-cs"/>
-              </a:defRPr>
-            </a:lvl4pPr>
-            <a:lvl5pPr marL="2057400" indent="-228600" algn="l" defTabSz="457200" rtl="0" eaLnBrk="1" latinLnBrk="0" hangingPunct="1">
-              <a:spcBef>
-                <a:spcPts val="1000"/>
-              </a:spcBef>
-              <a:spcAft>
-                <a:spcPts val="0"/>
-              </a:spcAft>
-              <a:buClr>
-                <a:schemeClr val="accent1"/>
-              </a:buClr>
-              <a:buSzPct val="80000"/>
-              <a:buFont typeface="Wingdings 3" charset="2"/>
-              <a:buChar char=""/>
-              <a:defRPr sz="1400" b="0" i="0" kern="1200">
-                <a:solidFill>
-                  <a:schemeClr val="tx1"/>
-                </a:solidFill>
-                <a:latin typeface="+mj-lt"/>
-                <a:ea typeface="+mj-ea"/>
-                <a:cs typeface="+mj-cs"/>
-              </a:defRPr>
-            </a:lvl5pPr>
-            <a:lvl6pPr marL="2514600" indent="-228600" algn="l" defTabSz="457200" rtl="0" eaLnBrk="1" latinLnBrk="0" hangingPunct="1">
-              <a:spcBef>
-                <a:spcPts val="1000"/>
-              </a:spcBef>
-              <a:spcAft>
-                <a:spcPts val="0"/>
-              </a:spcAft>
-              <a:buClr>
-                <a:schemeClr val="accent1"/>
-              </a:buClr>
-              <a:buSzPct val="80000"/>
-              <a:buFont typeface="Wingdings 3" charset="2"/>
-              <a:buChar char=""/>
-              <a:defRPr sz="1400" b="0" i="0" kern="1200">
-                <a:solidFill>
-                  <a:schemeClr val="tx1"/>
-                </a:solidFill>
-                <a:latin typeface="+mj-lt"/>
-                <a:ea typeface="+mj-ea"/>
-                <a:cs typeface="+mj-cs"/>
-              </a:defRPr>
-            </a:lvl6pPr>
-            <a:lvl7pPr marL="2971800" indent="-228600" algn="l" defTabSz="457200" rtl="0" eaLnBrk="1" latinLnBrk="0" hangingPunct="1">
-              <a:spcBef>
-                <a:spcPts val="1000"/>
-              </a:spcBef>
-              <a:spcAft>
-                <a:spcPts val="0"/>
-              </a:spcAft>
-              <a:buClr>
-                <a:schemeClr val="accent1"/>
-              </a:buClr>
-              <a:buSzPct val="80000"/>
-              <a:buFont typeface="Wingdings 3" charset="2"/>
-              <a:buChar char=""/>
-              <a:defRPr sz="1400" b="0" i="0" kern="1200">
-                <a:solidFill>
-                  <a:schemeClr val="tx1"/>
-                </a:solidFill>
-                <a:latin typeface="+mj-lt"/>
-                <a:ea typeface="+mj-ea"/>
-                <a:cs typeface="+mj-cs"/>
-              </a:defRPr>
-            </a:lvl7pPr>
-            <a:lvl8pPr marL="3429000" indent="-228600" algn="l" defTabSz="457200" rtl="0" eaLnBrk="1" latinLnBrk="0" hangingPunct="1">
-              <a:spcBef>
-                <a:spcPts val="1000"/>
-              </a:spcBef>
-              <a:spcAft>
-                <a:spcPts val="0"/>
-              </a:spcAft>
-              <a:buClr>
-                <a:schemeClr val="accent1"/>
-              </a:buClr>
-              <a:buSzPct val="80000"/>
-              <a:buFont typeface="Wingdings 3" charset="2"/>
-              <a:buChar char=""/>
-              <a:defRPr sz="1400" b="0" i="0" kern="1200">
-                <a:solidFill>
-                  <a:schemeClr val="tx1"/>
-                </a:solidFill>
-                <a:latin typeface="+mj-lt"/>
-                <a:ea typeface="+mj-ea"/>
-                <a:cs typeface="+mj-cs"/>
-              </a:defRPr>
-            </a:lvl8pPr>
-            <a:lvl9pPr marL="3886200" indent="-228600" algn="l" defTabSz="457200" rtl="0" eaLnBrk="1" latinLnBrk="0" hangingPunct="1">
-              <a:spcBef>
-                <a:spcPts val="1000"/>
-              </a:spcBef>
-              <a:spcAft>
-                <a:spcPts val="0"/>
-              </a:spcAft>
-              <a:buClr>
-                <a:schemeClr val="accent1"/>
-              </a:buClr>
-              <a:buSzPct val="80000"/>
-              <a:buFont typeface="Wingdings 3" charset="2"/>
-              <a:buChar char=""/>
-              <a:defRPr sz="1400" b="0" i="0" kern="1200">
-                <a:solidFill>
-                  <a:schemeClr val="tx1"/>
-                </a:solidFill>
-                <a:latin typeface="+mj-lt"/>
-                <a:ea typeface="+mj-ea"/>
-                <a:cs typeface="+mj-cs"/>
-              </a:defRPr>
-            </a:lvl9pPr>
-          </a:lstStyle>
-          <a:p>
-            <a:r>
-              <a:rPr lang="en-US" dirty="0"/>
-              <a:t>Using width, max-width and margin: auto;</a:t>
-            </a:r>
-          </a:p>
-          <a:p>
-            <a:r>
-              <a:rPr lang="en-US" dirty="0">
-                <a:hlinkClick r:id="rId3"/>
-              </a:rPr>
-              <a:t>https://www.w3schools.com/css/css_max-width.asp</a:t>
-            </a:r>
-            <a:endParaRPr lang="en-US" dirty="0"/>
-          </a:p>
-        </p:txBody>
-      </p:sp>
-      <p:sp>
-        <p:nvSpPr>
-          <p:cNvPr id="7" name="Title 1">
-            <a:extLst>
-              <a:ext uri="{FF2B5EF4-FFF2-40B4-BE49-F238E27FC236}">
-                <a16:creationId xmlns:a16="http://schemas.microsoft.com/office/drawing/2014/main" id="{AC8C145B-C53F-4965-95AD-BED9DDD94B5A}"/>
-              </a:ext>
-            </a:extLst>
-          </p:cNvPr>
-          <p:cNvSpPr txBox="1">
-            <a:spLocks/>
-          </p:cNvSpPr>
-          <p:nvPr/>
-        </p:nvSpPr>
-        <p:spPr>
-          <a:xfrm>
-            <a:off x="646111" y="3752510"/>
-            <a:ext cx="9404723" cy="753230"/>
-          </a:xfrm>
-          <a:prstGeom prst="rect">
-            <a:avLst/>
-          </a:prstGeom>
-        </p:spPr>
-        <p:txBody>
-          <a:bodyPr vert="horz" lIns="91440" tIns="45720" rIns="91440" bIns="45720" rtlCol="0" anchor="t">
-            <a:noAutofit/>
-          </a:bodyPr>
-          <a:lstStyle>
-            <a:lvl1pPr algn="l" defTabSz="457200" rtl="0" eaLnBrk="1" latinLnBrk="0" hangingPunct="1">
-              <a:spcBef>
-                <a:spcPct val="0"/>
-              </a:spcBef>
-              <a:buNone/>
-              <a:defRPr sz="4200" b="0" i="0" kern="1200">
-                <a:solidFill>
-                  <a:schemeClr val="tx2"/>
-                </a:solidFill>
-                <a:latin typeface="+mj-lt"/>
-                <a:ea typeface="+mj-ea"/>
-                <a:cs typeface="+mj-cs"/>
-              </a:defRPr>
-            </a:lvl1pPr>
-            <a:lvl2pPr eaLnBrk="1" hangingPunct="1">
-              <a:defRPr>
-                <a:solidFill>
-                  <a:schemeClr val="tx2"/>
-                </a:solidFill>
-              </a:defRPr>
-            </a:lvl2pPr>
-            <a:lvl3pPr eaLnBrk="1" hangingPunct="1">
-              <a:defRPr>
-                <a:solidFill>
-                  <a:schemeClr val="tx2"/>
-                </a:solidFill>
-              </a:defRPr>
-            </a:lvl3pPr>
-            <a:lvl4pPr eaLnBrk="1" hangingPunct="1">
-              <a:defRPr>
-                <a:solidFill>
-                  <a:schemeClr val="tx2"/>
-                </a:solidFill>
-              </a:defRPr>
-            </a:lvl4pPr>
-            <a:lvl5pPr eaLnBrk="1" hangingPunct="1">
-              <a:defRPr>
-                <a:solidFill>
-                  <a:schemeClr val="tx2"/>
-                </a:solidFill>
-              </a:defRPr>
-            </a:lvl5pPr>
-            <a:lvl6pPr eaLnBrk="1" hangingPunct="1">
-              <a:defRPr>
-                <a:solidFill>
-                  <a:schemeClr val="tx2"/>
-                </a:solidFill>
-              </a:defRPr>
-            </a:lvl6pPr>
-            <a:lvl7pPr eaLnBrk="1" hangingPunct="1">
-              <a:defRPr>
-                <a:solidFill>
-                  <a:schemeClr val="tx2"/>
-                </a:solidFill>
-              </a:defRPr>
-            </a:lvl7pPr>
-            <a:lvl8pPr eaLnBrk="1" hangingPunct="1">
-              <a:defRPr>
-                <a:solidFill>
-                  <a:schemeClr val="tx2"/>
-                </a:solidFill>
-              </a:defRPr>
-            </a:lvl8pPr>
-            <a:lvl9pPr eaLnBrk="1" hangingPunct="1">
-              <a:defRPr>
-                <a:solidFill>
-                  <a:schemeClr val="tx2"/>
-                </a:solidFill>
-              </a:defRPr>
-            </a:lvl9pPr>
-          </a:lstStyle>
-          <a:p>
-            <a:r>
-              <a:rPr lang="en-US" dirty="0"/>
-              <a:t>CSS Layout - The position Property</a:t>
-            </a:r>
-            <a:br>
-              <a:rPr lang="en-US" dirty="0"/>
-            </a:br>
-            <a:endParaRPr lang="en-US" dirty="0"/>
-          </a:p>
-        </p:txBody>
-      </p:sp>
-      <p:sp>
-        <p:nvSpPr>
-          <p:cNvPr id="8" name="Content Placeholder 2">
-            <a:extLst>
-              <a:ext uri="{FF2B5EF4-FFF2-40B4-BE49-F238E27FC236}">
-                <a16:creationId xmlns:a16="http://schemas.microsoft.com/office/drawing/2014/main" id="{2AB33A39-D25B-4718-ABB7-7C192DAB0650}"/>
-              </a:ext>
-            </a:extLst>
-          </p:cNvPr>
-          <p:cNvSpPr txBox="1">
-            <a:spLocks/>
-          </p:cNvSpPr>
-          <p:nvPr/>
-        </p:nvSpPr>
-        <p:spPr>
-          <a:xfrm>
-            <a:off x="1103312" y="4505741"/>
-            <a:ext cx="8946541" cy="1523998"/>
-          </a:xfrm>
-          <a:prstGeom prst="rect">
-            <a:avLst/>
-          </a:prstGeom>
-        </p:spPr>
-        <p:txBody>
-          <a:bodyPr vert="horz" lIns="91440" tIns="45720" rIns="91440" bIns="45720" rtlCol="0">
-            <a:normAutofit/>
-          </a:bodyPr>
-          <a:lstStyle>
-            <a:lvl1pPr marL="342900" indent="-342900" algn="l" defTabSz="457200" rtl="0" eaLnBrk="1" latinLnBrk="0" hangingPunct="1">
-              <a:spcBef>
-                <a:spcPts val="1000"/>
-              </a:spcBef>
-              <a:spcAft>
-                <a:spcPts val="0"/>
-              </a:spcAft>
-              <a:buClr>
-                <a:schemeClr val="accent1"/>
-              </a:buClr>
-              <a:buSzPct val="80000"/>
-              <a:buFont typeface="Wingdings 3" charset="2"/>
-              <a:buChar char=""/>
-              <a:defRPr sz="2000" b="0" i="0" kern="1200">
-                <a:solidFill>
-                  <a:schemeClr val="tx1"/>
-                </a:solidFill>
-                <a:latin typeface="+mj-lt"/>
-                <a:ea typeface="+mj-ea"/>
-                <a:cs typeface="+mj-cs"/>
-              </a:defRPr>
-            </a:lvl1pPr>
-            <a:lvl2pPr marL="742950" indent="-285750" algn="l" defTabSz="457200" rtl="0" eaLnBrk="1" latinLnBrk="0" hangingPunct="1">
-              <a:spcBef>
-                <a:spcPts val="1000"/>
-              </a:spcBef>
-              <a:spcAft>
-                <a:spcPts val="0"/>
-              </a:spcAft>
-              <a:buClr>
-                <a:schemeClr val="accent1"/>
-              </a:buClr>
-              <a:buSzPct val="80000"/>
-              <a:buFont typeface="Wingdings 3" charset="2"/>
-              <a:buChar char=""/>
-              <a:defRPr sz="1800" b="0" i="0" kern="1200">
-                <a:solidFill>
-                  <a:schemeClr val="tx1"/>
-                </a:solidFill>
-                <a:latin typeface="+mj-lt"/>
-                <a:ea typeface="+mj-ea"/>
-                <a:cs typeface="+mj-cs"/>
-              </a:defRPr>
-            </a:lvl2pPr>
-            <a:lvl3pPr marL="1143000" indent="-228600" algn="l" defTabSz="457200" rtl="0" eaLnBrk="1" latinLnBrk="0" hangingPunct="1">
-              <a:spcBef>
-                <a:spcPts val="1000"/>
-              </a:spcBef>
-              <a:spcAft>
-                <a:spcPts val="0"/>
-              </a:spcAft>
-              <a:buClr>
-                <a:schemeClr val="accent1"/>
-              </a:buClr>
-              <a:buSzPct val="80000"/>
-              <a:buFont typeface="Wingdings 3" charset="2"/>
-              <a:buChar char=""/>
-              <a:defRPr sz="1600" b="0" i="0" kern="1200">
-                <a:solidFill>
-                  <a:schemeClr val="tx1"/>
-                </a:solidFill>
-                <a:latin typeface="+mj-lt"/>
-                <a:ea typeface="+mj-ea"/>
-                <a:cs typeface="+mj-cs"/>
-              </a:defRPr>
-            </a:lvl3pPr>
-            <a:lvl4pPr marL="1600200" indent="-228600" algn="l" defTabSz="457200" rtl="0" eaLnBrk="1" latinLnBrk="0" hangingPunct="1">
-              <a:spcBef>
-                <a:spcPts val="1000"/>
-              </a:spcBef>
-              <a:spcAft>
-                <a:spcPts val="0"/>
-              </a:spcAft>
-              <a:buClr>
-                <a:schemeClr val="accent1"/>
-              </a:buClr>
-              <a:buSzPct val="80000"/>
-              <a:buFont typeface="Wingdings 3" charset="2"/>
-              <a:buChar char=""/>
-              <a:defRPr sz="1400" b="0" i="0" kern="1200">
-                <a:solidFill>
-                  <a:schemeClr val="tx1"/>
-                </a:solidFill>
-                <a:latin typeface="+mj-lt"/>
-                <a:ea typeface="+mj-ea"/>
-                <a:cs typeface="+mj-cs"/>
-              </a:defRPr>
-            </a:lvl4pPr>
-            <a:lvl5pPr marL="2057400" indent="-228600" algn="l" defTabSz="457200" rtl="0" eaLnBrk="1" latinLnBrk="0" hangingPunct="1">
-              <a:spcBef>
-                <a:spcPts val="1000"/>
-              </a:spcBef>
-              <a:spcAft>
-                <a:spcPts val="0"/>
-              </a:spcAft>
-              <a:buClr>
-                <a:schemeClr val="accent1"/>
-              </a:buClr>
-              <a:buSzPct val="80000"/>
-              <a:buFont typeface="Wingdings 3" charset="2"/>
-              <a:buChar char=""/>
-              <a:defRPr sz="1400" b="0" i="0" kern="1200">
-                <a:solidFill>
-                  <a:schemeClr val="tx1"/>
-                </a:solidFill>
-                <a:latin typeface="+mj-lt"/>
-                <a:ea typeface="+mj-ea"/>
-                <a:cs typeface="+mj-cs"/>
-              </a:defRPr>
-            </a:lvl5pPr>
-            <a:lvl6pPr marL="2514600" indent="-228600" algn="l" defTabSz="457200" rtl="0" eaLnBrk="1" latinLnBrk="0" hangingPunct="1">
-              <a:spcBef>
-                <a:spcPts val="1000"/>
-              </a:spcBef>
-              <a:spcAft>
-                <a:spcPts val="0"/>
-              </a:spcAft>
-              <a:buClr>
-                <a:schemeClr val="accent1"/>
-              </a:buClr>
-              <a:buSzPct val="80000"/>
-              <a:buFont typeface="Wingdings 3" charset="2"/>
-              <a:buChar char=""/>
-              <a:defRPr sz="1400" b="0" i="0" kern="1200">
-                <a:solidFill>
-                  <a:schemeClr val="tx1"/>
-                </a:solidFill>
-                <a:latin typeface="+mj-lt"/>
-                <a:ea typeface="+mj-ea"/>
-                <a:cs typeface="+mj-cs"/>
-              </a:defRPr>
-            </a:lvl6pPr>
-            <a:lvl7pPr marL="2971800" indent="-228600" algn="l" defTabSz="457200" rtl="0" eaLnBrk="1" latinLnBrk="0" hangingPunct="1">
-              <a:spcBef>
-                <a:spcPts val="1000"/>
-              </a:spcBef>
-              <a:spcAft>
-                <a:spcPts val="0"/>
-              </a:spcAft>
-              <a:buClr>
-                <a:schemeClr val="accent1"/>
-              </a:buClr>
-              <a:buSzPct val="80000"/>
-              <a:buFont typeface="Wingdings 3" charset="2"/>
-              <a:buChar char=""/>
-              <a:defRPr sz="1400" b="0" i="0" kern="1200">
-                <a:solidFill>
-                  <a:schemeClr val="tx1"/>
-                </a:solidFill>
-                <a:latin typeface="+mj-lt"/>
-                <a:ea typeface="+mj-ea"/>
-                <a:cs typeface="+mj-cs"/>
-              </a:defRPr>
-            </a:lvl7pPr>
-            <a:lvl8pPr marL="3429000" indent="-228600" algn="l" defTabSz="457200" rtl="0" eaLnBrk="1" latinLnBrk="0" hangingPunct="1">
-              <a:spcBef>
-                <a:spcPts val="1000"/>
-              </a:spcBef>
-              <a:spcAft>
-                <a:spcPts val="0"/>
-              </a:spcAft>
-              <a:buClr>
-                <a:schemeClr val="accent1"/>
-              </a:buClr>
-              <a:buSzPct val="80000"/>
-              <a:buFont typeface="Wingdings 3" charset="2"/>
-              <a:buChar char=""/>
-              <a:defRPr sz="1400" b="0" i="0" kern="1200">
-                <a:solidFill>
-                  <a:schemeClr val="tx1"/>
-                </a:solidFill>
-                <a:latin typeface="+mj-lt"/>
-                <a:ea typeface="+mj-ea"/>
-                <a:cs typeface="+mj-cs"/>
-              </a:defRPr>
-            </a:lvl8pPr>
-            <a:lvl9pPr marL="3886200" indent="-228600" algn="l" defTabSz="457200" rtl="0" eaLnBrk="1" latinLnBrk="0" hangingPunct="1">
-              <a:spcBef>
-                <a:spcPts val="1000"/>
-              </a:spcBef>
-              <a:spcAft>
-                <a:spcPts val="0"/>
-              </a:spcAft>
-              <a:buClr>
-                <a:schemeClr val="accent1"/>
-              </a:buClr>
-              <a:buSzPct val="80000"/>
-              <a:buFont typeface="Wingdings 3" charset="2"/>
-              <a:buChar char=""/>
-              <a:defRPr sz="1400" b="0" i="0" kern="1200">
-                <a:solidFill>
-                  <a:schemeClr val="tx1"/>
-                </a:solidFill>
-                <a:latin typeface="+mj-lt"/>
-                <a:ea typeface="+mj-ea"/>
-                <a:cs typeface="+mj-cs"/>
-              </a:defRPr>
-            </a:lvl9pPr>
-          </a:lstStyle>
-          <a:p>
-            <a:r>
-              <a:rPr lang="en-US" dirty="0"/>
-              <a:t>The position property specifies the type of positioning method used for an element (static, relative, fixed, absolute or sticky).</a:t>
-            </a:r>
-          </a:p>
-          <a:p>
-            <a:r>
-              <a:rPr lang="en-US" dirty="0">
-                <a:hlinkClick r:id="rId4"/>
-              </a:rPr>
-              <a:t>https://www.w3schools.com/css/css_positioning.asp</a:t>
-            </a:r>
-            <a:endParaRPr lang="en-US" dirty="0"/>
-          </a:p>
-        </p:txBody>
-      </p:sp>
-    </p:spTree>
-    <p:extLst>
-      <p:ext uri="{BB962C8B-B14F-4D97-AF65-F5344CB8AC3E}">
-        <p14:creationId xmlns:p14="http://schemas.microsoft.com/office/powerpoint/2010/main" val="50686039"/>
-      </p:ext>
-    </p:extLst>
-  </p:cSld>
-  <p:clrMapOvr>
-    <a:masterClrMapping/>
-  </p:clrMapOvr>
-</p:sld>
-</file>
-
-<file path=ppt/slides/slide8.xml><?xml version="1.0" encoding="utf-8"?>
-<p:sld xmlns:a="http://schemas.openxmlformats.org/drawingml/2006/main" xmlns:r="http://schemas.openxmlformats.org/officeDocument/2006/relationships" xmlns:p="http://schemas.openxmlformats.org/presentationml/2006/main">
-  <p:cSld>
-    <p:spTree>
-      <p:nvGrpSpPr>
-        <p:cNvPr id="1" name=""/>
-        <p:cNvGrpSpPr/>
-        <p:nvPr/>
-      </p:nvGrpSpPr>
-      <p:grpSpPr>
-        <a:xfrm>
-          <a:off x="0" y="0"/>
-          <a:ext cx="0" cy="0"/>
-          <a:chOff x="0" y="0"/>
-          <a:chExt cx="0" cy="0"/>
-        </a:xfrm>
-      </p:grpSpPr>
-      <p:sp>
-        <p:nvSpPr>
-          <p:cNvPr id="2" name="Title 1">
-            <a:extLst>
-              <a:ext uri="{FF2B5EF4-FFF2-40B4-BE49-F238E27FC236}">
-                <a16:creationId xmlns:a16="http://schemas.microsoft.com/office/drawing/2014/main" id="{958B21A8-264E-47C8-88FF-44CB6663D478}"/>
-              </a:ext>
-            </a:extLst>
-          </p:cNvPr>
-          <p:cNvSpPr>
-            <a:spLocks noGrp="1"/>
-          </p:cNvSpPr>
-          <p:nvPr>
-            <p:ph type="title"/>
-          </p:nvPr>
-        </p:nvSpPr>
-        <p:spPr>
-          <a:xfrm>
-            <a:off x="646111" y="452718"/>
-            <a:ext cx="9404723" cy="753230"/>
-          </a:xfrm>
-        </p:spPr>
-        <p:txBody>
-          <a:bodyPr/>
-          <a:lstStyle/>
-          <a:p>
-            <a:r>
-              <a:rPr lang="en-US" dirty="0"/>
-              <a:t>CSS Layout - Overflow</a:t>
-            </a:r>
-          </a:p>
-        </p:txBody>
-      </p:sp>
-      <p:sp>
-        <p:nvSpPr>
-          <p:cNvPr id="3" name="Content Placeholder 2">
-            <a:extLst>
-              <a:ext uri="{FF2B5EF4-FFF2-40B4-BE49-F238E27FC236}">
-                <a16:creationId xmlns:a16="http://schemas.microsoft.com/office/drawing/2014/main" id="{A319EA50-BD0D-47C8-B810-5C69C8F4B37C}"/>
-              </a:ext>
-            </a:extLst>
-          </p:cNvPr>
-          <p:cNvSpPr>
-            <a:spLocks noGrp="1"/>
-          </p:cNvSpPr>
-          <p:nvPr>
-            <p:ph idx="1"/>
-          </p:nvPr>
-        </p:nvSpPr>
-        <p:spPr>
-          <a:xfrm>
-            <a:off x="1103312" y="1205949"/>
-            <a:ext cx="9962253" cy="1046922"/>
-          </a:xfrm>
-        </p:spPr>
-        <p:txBody>
-          <a:bodyPr>
-            <a:normAutofit lnSpcReduction="10000"/>
-          </a:bodyPr>
-          <a:lstStyle/>
-          <a:p>
-            <a:r>
-              <a:rPr lang="en-US" dirty="0"/>
-              <a:t>The CSS overflow property controls what happens to content that is too big to fit into an area.</a:t>
-            </a:r>
-          </a:p>
-          <a:p>
-            <a:r>
-              <a:rPr lang="en-US" dirty="0">
-                <a:hlinkClick r:id="rId2"/>
-              </a:rPr>
-              <a:t>https://www.w3schools.com/css/css_overflow.asp</a:t>
-            </a:r>
-            <a:endParaRPr lang="en-US" dirty="0"/>
-          </a:p>
-        </p:txBody>
-      </p:sp>
-      <p:sp>
-        <p:nvSpPr>
-          <p:cNvPr id="5" name="Title 1">
-            <a:extLst>
-              <a:ext uri="{FF2B5EF4-FFF2-40B4-BE49-F238E27FC236}">
-                <a16:creationId xmlns:a16="http://schemas.microsoft.com/office/drawing/2014/main" id="{191D7043-78A8-46E7-8DC7-8F7137C3134E}"/>
-              </a:ext>
-            </a:extLst>
-          </p:cNvPr>
-          <p:cNvSpPr txBox="1">
-            <a:spLocks/>
-          </p:cNvSpPr>
-          <p:nvPr/>
-        </p:nvSpPr>
-        <p:spPr>
-          <a:xfrm>
-            <a:off x="646111" y="2102614"/>
-            <a:ext cx="9404723" cy="753230"/>
-          </a:xfrm>
-          <a:prstGeom prst="rect">
-            <a:avLst/>
-          </a:prstGeom>
-        </p:spPr>
-        <p:txBody>
-          <a:bodyPr vert="horz" lIns="91440" tIns="45720" rIns="91440" bIns="45720" rtlCol="0" anchor="t">
-            <a:noAutofit/>
-          </a:bodyPr>
-          <a:lstStyle>
-            <a:lvl1pPr algn="l" defTabSz="457200" rtl="0" eaLnBrk="1" latinLnBrk="0" hangingPunct="1">
-              <a:spcBef>
-                <a:spcPct val="0"/>
-              </a:spcBef>
-              <a:buNone/>
-              <a:defRPr sz="4200" b="0" i="0" kern="1200">
-                <a:solidFill>
-                  <a:schemeClr val="tx2"/>
-                </a:solidFill>
-                <a:latin typeface="+mj-lt"/>
-                <a:ea typeface="+mj-ea"/>
-                <a:cs typeface="+mj-cs"/>
-              </a:defRPr>
-            </a:lvl1pPr>
-            <a:lvl2pPr eaLnBrk="1" hangingPunct="1">
-              <a:defRPr>
-                <a:solidFill>
-                  <a:schemeClr val="tx2"/>
-                </a:solidFill>
-              </a:defRPr>
-            </a:lvl2pPr>
-            <a:lvl3pPr eaLnBrk="1" hangingPunct="1">
-              <a:defRPr>
-                <a:solidFill>
-                  <a:schemeClr val="tx2"/>
-                </a:solidFill>
-              </a:defRPr>
-            </a:lvl3pPr>
-            <a:lvl4pPr eaLnBrk="1" hangingPunct="1">
-              <a:defRPr>
-                <a:solidFill>
-                  <a:schemeClr val="tx2"/>
-                </a:solidFill>
-              </a:defRPr>
-            </a:lvl4pPr>
-            <a:lvl5pPr eaLnBrk="1" hangingPunct="1">
-              <a:defRPr>
-                <a:solidFill>
-                  <a:schemeClr val="tx2"/>
-                </a:solidFill>
-              </a:defRPr>
-            </a:lvl5pPr>
-            <a:lvl6pPr eaLnBrk="1" hangingPunct="1">
-              <a:defRPr>
-                <a:solidFill>
-                  <a:schemeClr val="tx2"/>
-                </a:solidFill>
-              </a:defRPr>
-            </a:lvl6pPr>
-            <a:lvl7pPr eaLnBrk="1" hangingPunct="1">
-              <a:defRPr>
-                <a:solidFill>
-                  <a:schemeClr val="tx2"/>
-                </a:solidFill>
-              </a:defRPr>
-            </a:lvl7pPr>
-            <a:lvl8pPr eaLnBrk="1" hangingPunct="1">
-              <a:defRPr>
-                <a:solidFill>
-                  <a:schemeClr val="tx2"/>
-                </a:solidFill>
-              </a:defRPr>
-            </a:lvl8pPr>
-            <a:lvl9pPr eaLnBrk="1" hangingPunct="1">
-              <a:defRPr>
-                <a:solidFill>
-                  <a:schemeClr val="tx2"/>
-                </a:solidFill>
-              </a:defRPr>
-            </a:lvl9pPr>
-          </a:lstStyle>
-          <a:p>
-            <a:r>
-              <a:rPr lang="en-US" dirty="0"/>
-              <a:t>CSS Layout - float and clear</a:t>
-            </a:r>
-            <a:br>
-              <a:rPr lang="en-US" dirty="0"/>
-            </a:br>
-            <a:endParaRPr lang="en-US" dirty="0"/>
-          </a:p>
-        </p:txBody>
-      </p:sp>
-      <p:sp>
-        <p:nvSpPr>
-          <p:cNvPr id="6" name="Content Placeholder 2">
-            <a:extLst>
-              <a:ext uri="{FF2B5EF4-FFF2-40B4-BE49-F238E27FC236}">
-                <a16:creationId xmlns:a16="http://schemas.microsoft.com/office/drawing/2014/main" id="{8933ABEF-C9AA-41AC-90C0-97F972A6B92D}"/>
-              </a:ext>
-            </a:extLst>
-          </p:cNvPr>
-          <p:cNvSpPr txBox="1">
-            <a:spLocks/>
-          </p:cNvSpPr>
-          <p:nvPr/>
-        </p:nvSpPr>
-        <p:spPr>
-          <a:xfrm>
-            <a:off x="1103312" y="2855845"/>
-            <a:ext cx="9962253" cy="1572528"/>
-          </a:xfrm>
-          <a:prstGeom prst="rect">
-            <a:avLst/>
-          </a:prstGeom>
-        </p:spPr>
-        <p:txBody>
-          <a:bodyPr vert="horz" lIns="91440" tIns="45720" rIns="91440" bIns="45720" rtlCol="0">
-            <a:normAutofit/>
-          </a:bodyPr>
-          <a:lstStyle>
-            <a:lvl1pPr marL="342900" indent="-342900" algn="l" defTabSz="457200" rtl="0" eaLnBrk="1" latinLnBrk="0" hangingPunct="1">
-              <a:spcBef>
-                <a:spcPts val="1000"/>
-              </a:spcBef>
-              <a:spcAft>
-                <a:spcPts val="0"/>
-              </a:spcAft>
-              <a:buClr>
-                <a:schemeClr val="accent1"/>
-              </a:buClr>
-              <a:buSzPct val="80000"/>
-              <a:buFont typeface="Wingdings 3" charset="2"/>
-              <a:buChar char=""/>
-              <a:defRPr sz="2000" b="0" i="0" kern="1200">
-                <a:solidFill>
-                  <a:schemeClr val="tx1"/>
-                </a:solidFill>
-                <a:latin typeface="+mj-lt"/>
-                <a:ea typeface="+mj-ea"/>
-                <a:cs typeface="+mj-cs"/>
-              </a:defRPr>
-            </a:lvl1pPr>
-            <a:lvl2pPr marL="742950" indent="-285750" algn="l" defTabSz="457200" rtl="0" eaLnBrk="1" latinLnBrk="0" hangingPunct="1">
-              <a:spcBef>
-                <a:spcPts val="1000"/>
-              </a:spcBef>
-              <a:spcAft>
-                <a:spcPts val="0"/>
-              </a:spcAft>
-              <a:buClr>
-                <a:schemeClr val="accent1"/>
-              </a:buClr>
-              <a:buSzPct val="80000"/>
-              <a:buFont typeface="Wingdings 3" charset="2"/>
-              <a:buChar char=""/>
-              <a:defRPr sz="1800" b="0" i="0" kern="1200">
-                <a:solidFill>
-                  <a:schemeClr val="tx1"/>
-                </a:solidFill>
-                <a:latin typeface="+mj-lt"/>
-                <a:ea typeface="+mj-ea"/>
-                <a:cs typeface="+mj-cs"/>
-              </a:defRPr>
-            </a:lvl2pPr>
-            <a:lvl3pPr marL="1143000" indent="-228600" algn="l" defTabSz="457200" rtl="0" eaLnBrk="1" latinLnBrk="0" hangingPunct="1">
-              <a:spcBef>
-                <a:spcPts val="1000"/>
-              </a:spcBef>
-              <a:spcAft>
-                <a:spcPts val="0"/>
-              </a:spcAft>
-              <a:buClr>
-                <a:schemeClr val="accent1"/>
-              </a:buClr>
-              <a:buSzPct val="80000"/>
-              <a:buFont typeface="Wingdings 3" charset="2"/>
-              <a:buChar char=""/>
-              <a:defRPr sz="1600" b="0" i="0" kern="1200">
-                <a:solidFill>
-                  <a:schemeClr val="tx1"/>
-                </a:solidFill>
-                <a:latin typeface="+mj-lt"/>
-                <a:ea typeface="+mj-ea"/>
-                <a:cs typeface="+mj-cs"/>
-              </a:defRPr>
-            </a:lvl3pPr>
-            <a:lvl4pPr marL="1600200" indent="-228600" algn="l" defTabSz="457200" rtl="0" eaLnBrk="1" latinLnBrk="0" hangingPunct="1">
-              <a:spcBef>
-                <a:spcPts val="1000"/>
-              </a:spcBef>
-              <a:spcAft>
-                <a:spcPts val="0"/>
-              </a:spcAft>
-              <a:buClr>
-                <a:schemeClr val="accent1"/>
-              </a:buClr>
-              <a:buSzPct val="80000"/>
-              <a:buFont typeface="Wingdings 3" charset="2"/>
-              <a:buChar char=""/>
-              <a:defRPr sz="1400" b="0" i="0" kern="1200">
-                <a:solidFill>
-                  <a:schemeClr val="tx1"/>
-                </a:solidFill>
-                <a:latin typeface="+mj-lt"/>
-                <a:ea typeface="+mj-ea"/>
-                <a:cs typeface="+mj-cs"/>
-              </a:defRPr>
-            </a:lvl4pPr>
-            <a:lvl5pPr marL="2057400" indent="-228600" algn="l" defTabSz="457200" rtl="0" eaLnBrk="1" latinLnBrk="0" hangingPunct="1">
-              <a:spcBef>
-                <a:spcPts val="1000"/>
-              </a:spcBef>
-              <a:spcAft>
-                <a:spcPts val="0"/>
-              </a:spcAft>
-              <a:buClr>
-                <a:schemeClr val="accent1"/>
-              </a:buClr>
-              <a:buSzPct val="80000"/>
-              <a:buFont typeface="Wingdings 3" charset="2"/>
-              <a:buChar char=""/>
-              <a:defRPr sz="1400" b="0" i="0" kern="1200">
-                <a:solidFill>
-                  <a:schemeClr val="tx1"/>
-                </a:solidFill>
-                <a:latin typeface="+mj-lt"/>
-                <a:ea typeface="+mj-ea"/>
-                <a:cs typeface="+mj-cs"/>
-              </a:defRPr>
-            </a:lvl5pPr>
-            <a:lvl6pPr marL="2514600" indent="-228600" algn="l" defTabSz="457200" rtl="0" eaLnBrk="1" latinLnBrk="0" hangingPunct="1">
-              <a:spcBef>
-                <a:spcPts val="1000"/>
-              </a:spcBef>
-              <a:spcAft>
-                <a:spcPts val="0"/>
-              </a:spcAft>
-              <a:buClr>
-                <a:schemeClr val="accent1"/>
-              </a:buClr>
-              <a:buSzPct val="80000"/>
-              <a:buFont typeface="Wingdings 3" charset="2"/>
-              <a:buChar char=""/>
-              <a:defRPr sz="1400" b="0" i="0" kern="1200">
-                <a:solidFill>
-                  <a:schemeClr val="tx1"/>
-                </a:solidFill>
-                <a:latin typeface="+mj-lt"/>
-                <a:ea typeface="+mj-ea"/>
-                <a:cs typeface="+mj-cs"/>
-              </a:defRPr>
-            </a:lvl6pPr>
-            <a:lvl7pPr marL="2971800" indent="-228600" algn="l" defTabSz="457200" rtl="0" eaLnBrk="1" latinLnBrk="0" hangingPunct="1">
-              <a:spcBef>
-                <a:spcPts val="1000"/>
-              </a:spcBef>
-              <a:spcAft>
-                <a:spcPts val="0"/>
-              </a:spcAft>
-              <a:buClr>
-                <a:schemeClr val="accent1"/>
-              </a:buClr>
-              <a:buSzPct val="80000"/>
-              <a:buFont typeface="Wingdings 3" charset="2"/>
-              <a:buChar char=""/>
-              <a:defRPr sz="1400" b="0" i="0" kern="1200">
-                <a:solidFill>
-                  <a:schemeClr val="tx1"/>
-                </a:solidFill>
-                <a:latin typeface="+mj-lt"/>
-                <a:ea typeface="+mj-ea"/>
-                <a:cs typeface="+mj-cs"/>
-              </a:defRPr>
-            </a:lvl7pPr>
-            <a:lvl8pPr marL="3429000" indent="-228600" algn="l" defTabSz="457200" rtl="0" eaLnBrk="1" latinLnBrk="0" hangingPunct="1">
-              <a:spcBef>
-                <a:spcPts val="1000"/>
-              </a:spcBef>
-              <a:spcAft>
-                <a:spcPts val="0"/>
-              </a:spcAft>
-              <a:buClr>
-                <a:schemeClr val="accent1"/>
-              </a:buClr>
-              <a:buSzPct val="80000"/>
-              <a:buFont typeface="Wingdings 3" charset="2"/>
-              <a:buChar char=""/>
-              <a:defRPr sz="1400" b="0" i="0" kern="1200">
-                <a:solidFill>
-                  <a:schemeClr val="tx1"/>
-                </a:solidFill>
-                <a:latin typeface="+mj-lt"/>
-                <a:ea typeface="+mj-ea"/>
-                <a:cs typeface="+mj-cs"/>
-              </a:defRPr>
-            </a:lvl8pPr>
-            <a:lvl9pPr marL="3886200" indent="-228600" algn="l" defTabSz="457200" rtl="0" eaLnBrk="1" latinLnBrk="0" hangingPunct="1">
-              <a:spcBef>
-                <a:spcPts val="1000"/>
-              </a:spcBef>
-              <a:spcAft>
-                <a:spcPts val="0"/>
-              </a:spcAft>
-              <a:buClr>
-                <a:schemeClr val="accent1"/>
-              </a:buClr>
-              <a:buSzPct val="80000"/>
-              <a:buFont typeface="Wingdings 3" charset="2"/>
-              <a:buChar char=""/>
-              <a:defRPr sz="1400" b="0" i="0" kern="1200">
-                <a:solidFill>
-                  <a:schemeClr val="tx1"/>
-                </a:solidFill>
-                <a:latin typeface="+mj-lt"/>
-                <a:ea typeface="+mj-ea"/>
-                <a:cs typeface="+mj-cs"/>
-              </a:defRPr>
-            </a:lvl9pPr>
-          </a:lstStyle>
-          <a:p>
-            <a:r>
-              <a:rPr lang="en-US" dirty="0"/>
-              <a:t>The CSS float property specifies how an element should float.</a:t>
-            </a:r>
-          </a:p>
-          <a:p>
-            <a:r>
-              <a:rPr lang="en-US" dirty="0"/>
-              <a:t>The CSS clear property specifies what elements can float beside the cleared element and on which side.</a:t>
-            </a:r>
-          </a:p>
-          <a:p>
-            <a:r>
-              <a:rPr lang="en-US" dirty="0">
-                <a:hlinkClick r:id="rId3"/>
-              </a:rPr>
-              <a:t>https://www.w3schools.com/css/css_float.asp</a:t>
-            </a:r>
-            <a:endParaRPr lang="en-US" dirty="0"/>
-          </a:p>
-        </p:txBody>
-      </p:sp>
-      <p:sp>
-        <p:nvSpPr>
-          <p:cNvPr id="7" name="Title 1">
-            <a:extLst>
-              <a:ext uri="{FF2B5EF4-FFF2-40B4-BE49-F238E27FC236}">
-                <a16:creationId xmlns:a16="http://schemas.microsoft.com/office/drawing/2014/main" id="{AC8C145B-C53F-4965-95AD-BED9DDD94B5A}"/>
-              </a:ext>
-            </a:extLst>
-          </p:cNvPr>
-          <p:cNvSpPr txBox="1">
-            <a:spLocks/>
-          </p:cNvSpPr>
-          <p:nvPr/>
-        </p:nvSpPr>
-        <p:spPr>
-          <a:xfrm>
-            <a:off x="646111" y="4428374"/>
-            <a:ext cx="9404723" cy="753230"/>
-          </a:xfrm>
-          <a:prstGeom prst="rect">
-            <a:avLst/>
-          </a:prstGeom>
-        </p:spPr>
-        <p:txBody>
-          <a:bodyPr vert="horz" lIns="91440" tIns="45720" rIns="91440" bIns="45720" rtlCol="0" anchor="t">
-            <a:noAutofit/>
-          </a:bodyPr>
-          <a:lstStyle>
-            <a:lvl1pPr algn="l" defTabSz="457200" rtl="0" eaLnBrk="1" latinLnBrk="0" hangingPunct="1">
-              <a:spcBef>
-                <a:spcPct val="0"/>
-              </a:spcBef>
-              <a:buNone/>
-              <a:defRPr sz="4200" b="0" i="0" kern="1200">
-                <a:solidFill>
-                  <a:schemeClr val="tx2"/>
-                </a:solidFill>
-                <a:latin typeface="+mj-lt"/>
-                <a:ea typeface="+mj-ea"/>
-                <a:cs typeface="+mj-cs"/>
-              </a:defRPr>
-            </a:lvl1pPr>
-            <a:lvl2pPr eaLnBrk="1" hangingPunct="1">
-              <a:defRPr>
-                <a:solidFill>
-                  <a:schemeClr val="tx2"/>
-                </a:solidFill>
-              </a:defRPr>
-            </a:lvl2pPr>
-            <a:lvl3pPr eaLnBrk="1" hangingPunct="1">
-              <a:defRPr>
-                <a:solidFill>
-                  <a:schemeClr val="tx2"/>
-                </a:solidFill>
-              </a:defRPr>
-            </a:lvl3pPr>
-            <a:lvl4pPr eaLnBrk="1" hangingPunct="1">
-              <a:defRPr>
-                <a:solidFill>
-                  <a:schemeClr val="tx2"/>
-                </a:solidFill>
-              </a:defRPr>
-            </a:lvl4pPr>
-            <a:lvl5pPr eaLnBrk="1" hangingPunct="1">
-              <a:defRPr>
-                <a:solidFill>
-                  <a:schemeClr val="tx2"/>
-                </a:solidFill>
-              </a:defRPr>
-            </a:lvl5pPr>
-            <a:lvl6pPr eaLnBrk="1" hangingPunct="1">
-              <a:defRPr>
-                <a:solidFill>
-                  <a:schemeClr val="tx2"/>
-                </a:solidFill>
-              </a:defRPr>
-            </a:lvl6pPr>
-            <a:lvl7pPr eaLnBrk="1" hangingPunct="1">
-              <a:defRPr>
-                <a:solidFill>
-                  <a:schemeClr val="tx2"/>
-                </a:solidFill>
-              </a:defRPr>
-            </a:lvl7pPr>
-            <a:lvl8pPr eaLnBrk="1" hangingPunct="1">
-              <a:defRPr>
-                <a:solidFill>
-                  <a:schemeClr val="tx2"/>
-                </a:solidFill>
-              </a:defRPr>
-            </a:lvl8pPr>
-            <a:lvl9pPr eaLnBrk="1" hangingPunct="1">
-              <a:defRPr>
-                <a:solidFill>
-                  <a:schemeClr val="tx2"/>
-                </a:solidFill>
-              </a:defRPr>
-            </a:lvl9pPr>
-          </a:lstStyle>
-          <a:p>
-            <a:r>
-              <a:rPr lang="en-US" dirty="0"/>
-              <a:t>CSS Layout - display: inline-block</a:t>
-            </a:r>
-            <a:br>
-              <a:rPr lang="en-US" dirty="0"/>
-            </a:br>
-            <a:endParaRPr lang="en-US" dirty="0"/>
-          </a:p>
-        </p:txBody>
-      </p:sp>
-      <p:sp>
-        <p:nvSpPr>
-          <p:cNvPr id="8" name="Content Placeholder 2">
-            <a:extLst>
-              <a:ext uri="{FF2B5EF4-FFF2-40B4-BE49-F238E27FC236}">
-                <a16:creationId xmlns:a16="http://schemas.microsoft.com/office/drawing/2014/main" id="{2AB33A39-D25B-4718-ABB7-7C192DAB0650}"/>
-              </a:ext>
-            </a:extLst>
-          </p:cNvPr>
-          <p:cNvSpPr txBox="1">
-            <a:spLocks/>
-          </p:cNvSpPr>
-          <p:nvPr/>
-        </p:nvSpPr>
-        <p:spPr>
-          <a:xfrm>
-            <a:off x="1103312" y="5181604"/>
-            <a:ext cx="8946541" cy="516831"/>
-          </a:xfrm>
-          <a:prstGeom prst="rect">
-            <a:avLst/>
-          </a:prstGeom>
-        </p:spPr>
-        <p:txBody>
-          <a:bodyPr vert="horz" lIns="91440" tIns="45720" rIns="91440" bIns="45720" rtlCol="0">
-            <a:normAutofit/>
-          </a:bodyPr>
-          <a:lstStyle>
-            <a:lvl1pPr marL="342900" indent="-342900" algn="l" defTabSz="457200" rtl="0" eaLnBrk="1" latinLnBrk="0" hangingPunct="1">
-              <a:spcBef>
-                <a:spcPts val="1000"/>
-              </a:spcBef>
-              <a:spcAft>
-                <a:spcPts val="0"/>
-              </a:spcAft>
-              <a:buClr>
-                <a:schemeClr val="accent1"/>
-              </a:buClr>
-              <a:buSzPct val="80000"/>
-              <a:buFont typeface="Wingdings 3" charset="2"/>
-              <a:buChar char=""/>
-              <a:defRPr sz="2000" b="0" i="0" kern="1200">
-                <a:solidFill>
-                  <a:schemeClr val="tx1"/>
-                </a:solidFill>
-                <a:latin typeface="+mj-lt"/>
-                <a:ea typeface="+mj-ea"/>
-                <a:cs typeface="+mj-cs"/>
-              </a:defRPr>
-            </a:lvl1pPr>
-            <a:lvl2pPr marL="742950" indent="-285750" algn="l" defTabSz="457200" rtl="0" eaLnBrk="1" latinLnBrk="0" hangingPunct="1">
-              <a:spcBef>
-                <a:spcPts val="1000"/>
-              </a:spcBef>
-              <a:spcAft>
-                <a:spcPts val="0"/>
-              </a:spcAft>
-              <a:buClr>
-                <a:schemeClr val="accent1"/>
-              </a:buClr>
-              <a:buSzPct val="80000"/>
-              <a:buFont typeface="Wingdings 3" charset="2"/>
-              <a:buChar char=""/>
-              <a:defRPr sz="1800" b="0" i="0" kern="1200">
-                <a:solidFill>
-                  <a:schemeClr val="tx1"/>
-                </a:solidFill>
-                <a:latin typeface="+mj-lt"/>
-                <a:ea typeface="+mj-ea"/>
-                <a:cs typeface="+mj-cs"/>
-              </a:defRPr>
-            </a:lvl2pPr>
-            <a:lvl3pPr marL="1143000" indent="-228600" algn="l" defTabSz="457200" rtl="0" eaLnBrk="1" latinLnBrk="0" hangingPunct="1">
-              <a:spcBef>
-                <a:spcPts val="1000"/>
-              </a:spcBef>
-              <a:spcAft>
-                <a:spcPts val="0"/>
-              </a:spcAft>
-              <a:buClr>
-                <a:schemeClr val="accent1"/>
-              </a:buClr>
-              <a:buSzPct val="80000"/>
-              <a:buFont typeface="Wingdings 3" charset="2"/>
-              <a:buChar char=""/>
-              <a:defRPr sz="1600" b="0" i="0" kern="1200">
-                <a:solidFill>
-                  <a:schemeClr val="tx1"/>
-                </a:solidFill>
-                <a:latin typeface="+mj-lt"/>
-                <a:ea typeface="+mj-ea"/>
-                <a:cs typeface="+mj-cs"/>
-              </a:defRPr>
-            </a:lvl3pPr>
-            <a:lvl4pPr marL="1600200" indent="-228600" algn="l" defTabSz="457200" rtl="0" eaLnBrk="1" latinLnBrk="0" hangingPunct="1">
-              <a:spcBef>
-                <a:spcPts val="1000"/>
-              </a:spcBef>
-              <a:spcAft>
-                <a:spcPts val="0"/>
-              </a:spcAft>
-              <a:buClr>
-                <a:schemeClr val="accent1"/>
-              </a:buClr>
-              <a:buSzPct val="80000"/>
-              <a:buFont typeface="Wingdings 3" charset="2"/>
-              <a:buChar char=""/>
-              <a:defRPr sz="1400" b="0" i="0" kern="1200">
-                <a:solidFill>
-                  <a:schemeClr val="tx1"/>
-                </a:solidFill>
-                <a:latin typeface="+mj-lt"/>
-                <a:ea typeface="+mj-ea"/>
-                <a:cs typeface="+mj-cs"/>
-              </a:defRPr>
-            </a:lvl4pPr>
-            <a:lvl5pPr marL="2057400" indent="-228600" algn="l" defTabSz="457200" rtl="0" eaLnBrk="1" latinLnBrk="0" hangingPunct="1">
-              <a:spcBef>
-                <a:spcPts val="1000"/>
-              </a:spcBef>
-              <a:spcAft>
-                <a:spcPts val="0"/>
-              </a:spcAft>
-              <a:buClr>
-                <a:schemeClr val="accent1"/>
-              </a:buClr>
-              <a:buSzPct val="80000"/>
-              <a:buFont typeface="Wingdings 3" charset="2"/>
-              <a:buChar char=""/>
-              <a:defRPr sz="1400" b="0" i="0" kern="1200">
-                <a:solidFill>
-                  <a:schemeClr val="tx1"/>
-                </a:solidFill>
-                <a:latin typeface="+mj-lt"/>
-                <a:ea typeface="+mj-ea"/>
-                <a:cs typeface="+mj-cs"/>
-              </a:defRPr>
-            </a:lvl5pPr>
-            <a:lvl6pPr marL="2514600" indent="-228600" algn="l" defTabSz="457200" rtl="0" eaLnBrk="1" latinLnBrk="0" hangingPunct="1">
-              <a:spcBef>
-                <a:spcPts val="1000"/>
-              </a:spcBef>
-              <a:spcAft>
-                <a:spcPts val="0"/>
-              </a:spcAft>
-              <a:buClr>
-                <a:schemeClr val="accent1"/>
-              </a:buClr>
-              <a:buSzPct val="80000"/>
-              <a:buFont typeface="Wingdings 3" charset="2"/>
-              <a:buChar char=""/>
-              <a:defRPr sz="1400" b="0" i="0" kern="1200">
-                <a:solidFill>
-                  <a:schemeClr val="tx1"/>
-                </a:solidFill>
-                <a:latin typeface="+mj-lt"/>
-                <a:ea typeface="+mj-ea"/>
-                <a:cs typeface="+mj-cs"/>
-              </a:defRPr>
-            </a:lvl6pPr>
-            <a:lvl7pPr marL="2971800" indent="-228600" algn="l" defTabSz="457200" rtl="0" eaLnBrk="1" latinLnBrk="0" hangingPunct="1">
-              <a:spcBef>
-                <a:spcPts val="1000"/>
-              </a:spcBef>
-              <a:spcAft>
-                <a:spcPts val="0"/>
-              </a:spcAft>
-              <a:buClr>
-                <a:schemeClr val="accent1"/>
-              </a:buClr>
-              <a:buSzPct val="80000"/>
-              <a:buFont typeface="Wingdings 3" charset="2"/>
-              <a:buChar char=""/>
-              <a:defRPr sz="1400" b="0" i="0" kern="1200">
-                <a:solidFill>
-                  <a:schemeClr val="tx1"/>
-                </a:solidFill>
-                <a:latin typeface="+mj-lt"/>
-                <a:ea typeface="+mj-ea"/>
-                <a:cs typeface="+mj-cs"/>
-              </a:defRPr>
-            </a:lvl7pPr>
-            <a:lvl8pPr marL="3429000" indent="-228600" algn="l" defTabSz="457200" rtl="0" eaLnBrk="1" latinLnBrk="0" hangingPunct="1">
-              <a:spcBef>
-                <a:spcPts val="1000"/>
-              </a:spcBef>
-              <a:spcAft>
-                <a:spcPts val="0"/>
-              </a:spcAft>
-              <a:buClr>
-                <a:schemeClr val="accent1"/>
-              </a:buClr>
-              <a:buSzPct val="80000"/>
-              <a:buFont typeface="Wingdings 3" charset="2"/>
-              <a:buChar char=""/>
-              <a:defRPr sz="1400" b="0" i="0" kern="1200">
-                <a:solidFill>
-                  <a:schemeClr val="tx1"/>
-                </a:solidFill>
-                <a:latin typeface="+mj-lt"/>
-                <a:ea typeface="+mj-ea"/>
-                <a:cs typeface="+mj-cs"/>
-              </a:defRPr>
-            </a:lvl8pPr>
-            <a:lvl9pPr marL="3886200" indent="-228600" algn="l" defTabSz="457200" rtl="0" eaLnBrk="1" latinLnBrk="0" hangingPunct="1">
-              <a:spcBef>
-                <a:spcPts val="1000"/>
-              </a:spcBef>
-              <a:spcAft>
-                <a:spcPts val="0"/>
-              </a:spcAft>
-              <a:buClr>
-                <a:schemeClr val="accent1"/>
-              </a:buClr>
-              <a:buSzPct val="80000"/>
-              <a:buFont typeface="Wingdings 3" charset="2"/>
-              <a:buChar char=""/>
-              <a:defRPr sz="1400" b="0" i="0" kern="1200">
-                <a:solidFill>
-                  <a:schemeClr val="tx1"/>
-                </a:solidFill>
-                <a:latin typeface="+mj-lt"/>
-                <a:ea typeface="+mj-ea"/>
-                <a:cs typeface="+mj-cs"/>
-              </a:defRPr>
-            </a:lvl9pPr>
-          </a:lstStyle>
-          <a:p>
-            <a:r>
-              <a:rPr lang="en-US" dirty="0">
-                <a:hlinkClick r:id="rId4"/>
-              </a:rPr>
-              <a:t>https://www.w3schools.com/css/css_inline-block.asp</a:t>
-            </a:r>
-            <a:endParaRPr lang="en-US" dirty="0"/>
-          </a:p>
-        </p:txBody>
-      </p:sp>
-      <p:sp>
-        <p:nvSpPr>
-          <p:cNvPr id="10" name="Title 1">
-            <a:extLst>
-              <a:ext uri="{FF2B5EF4-FFF2-40B4-BE49-F238E27FC236}">
-                <a16:creationId xmlns:a16="http://schemas.microsoft.com/office/drawing/2014/main" id="{1915CBEC-F019-43E3-8B96-5E3D485A39C1}"/>
-              </a:ext>
-            </a:extLst>
-          </p:cNvPr>
-          <p:cNvSpPr txBox="1">
-            <a:spLocks/>
-          </p:cNvSpPr>
-          <p:nvPr/>
-        </p:nvSpPr>
-        <p:spPr>
-          <a:xfrm>
-            <a:off x="645130" y="5558219"/>
-            <a:ext cx="10592713" cy="753230"/>
-          </a:xfrm>
-          <a:prstGeom prst="rect">
-            <a:avLst/>
-          </a:prstGeom>
-        </p:spPr>
-        <p:txBody>
-          <a:bodyPr vert="horz" lIns="91440" tIns="45720" rIns="91440" bIns="45720" rtlCol="0" anchor="t">
-            <a:noAutofit/>
-          </a:bodyPr>
-          <a:lstStyle>
-            <a:lvl1pPr algn="l" defTabSz="457200" rtl="0" eaLnBrk="1" latinLnBrk="0" hangingPunct="1">
-              <a:spcBef>
-                <a:spcPct val="0"/>
-              </a:spcBef>
-              <a:buNone/>
-              <a:defRPr sz="4200" b="0" i="0" kern="1200">
-                <a:solidFill>
-                  <a:schemeClr val="tx2"/>
-                </a:solidFill>
-                <a:latin typeface="+mj-lt"/>
-                <a:ea typeface="+mj-ea"/>
-                <a:cs typeface="+mj-cs"/>
-              </a:defRPr>
-            </a:lvl1pPr>
-            <a:lvl2pPr eaLnBrk="1" hangingPunct="1">
-              <a:defRPr>
-                <a:solidFill>
-                  <a:schemeClr val="tx2"/>
-                </a:solidFill>
-              </a:defRPr>
-            </a:lvl2pPr>
-            <a:lvl3pPr eaLnBrk="1" hangingPunct="1">
-              <a:defRPr>
-                <a:solidFill>
-                  <a:schemeClr val="tx2"/>
-                </a:solidFill>
-              </a:defRPr>
-            </a:lvl3pPr>
-            <a:lvl4pPr eaLnBrk="1" hangingPunct="1">
-              <a:defRPr>
-                <a:solidFill>
-                  <a:schemeClr val="tx2"/>
-                </a:solidFill>
-              </a:defRPr>
-            </a:lvl4pPr>
-            <a:lvl5pPr eaLnBrk="1" hangingPunct="1">
-              <a:defRPr>
-                <a:solidFill>
-                  <a:schemeClr val="tx2"/>
-                </a:solidFill>
-              </a:defRPr>
-            </a:lvl5pPr>
-            <a:lvl6pPr eaLnBrk="1" hangingPunct="1">
-              <a:defRPr>
-                <a:solidFill>
-                  <a:schemeClr val="tx2"/>
-                </a:solidFill>
-              </a:defRPr>
-            </a:lvl6pPr>
-            <a:lvl7pPr eaLnBrk="1" hangingPunct="1">
-              <a:defRPr>
-                <a:solidFill>
-                  <a:schemeClr val="tx2"/>
-                </a:solidFill>
-              </a:defRPr>
-            </a:lvl7pPr>
-            <a:lvl8pPr eaLnBrk="1" hangingPunct="1">
-              <a:defRPr>
-                <a:solidFill>
-                  <a:schemeClr val="tx2"/>
-                </a:solidFill>
-              </a:defRPr>
-            </a:lvl8pPr>
-            <a:lvl9pPr eaLnBrk="1" hangingPunct="1">
-              <a:defRPr>
-                <a:solidFill>
-                  <a:schemeClr val="tx2"/>
-                </a:solidFill>
-              </a:defRPr>
-            </a:lvl9pPr>
-          </a:lstStyle>
-          <a:p>
-            <a:r>
-              <a:rPr lang="en-US" dirty="0"/>
-              <a:t>CSS Layout - Horizontal &amp; Vertical Align</a:t>
-            </a:r>
-            <a:br>
-              <a:rPr lang="en-US" dirty="0"/>
-            </a:br>
-            <a:endParaRPr lang="en-US" dirty="0"/>
-          </a:p>
-        </p:txBody>
-      </p:sp>
-      <p:sp>
-        <p:nvSpPr>
-          <p:cNvPr id="11" name="Content Placeholder 2">
-            <a:extLst>
-              <a:ext uri="{FF2B5EF4-FFF2-40B4-BE49-F238E27FC236}">
-                <a16:creationId xmlns:a16="http://schemas.microsoft.com/office/drawing/2014/main" id="{DA0968AC-7FF2-475E-978B-5AACC85D76F5}"/>
-              </a:ext>
-            </a:extLst>
-          </p:cNvPr>
-          <p:cNvSpPr txBox="1">
-            <a:spLocks/>
-          </p:cNvSpPr>
-          <p:nvPr/>
-        </p:nvSpPr>
-        <p:spPr>
-          <a:xfrm>
-            <a:off x="1102331" y="6311449"/>
-            <a:ext cx="8946541" cy="516831"/>
-          </a:xfrm>
-          <a:prstGeom prst="rect">
-            <a:avLst/>
-          </a:prstGeom>
-        </p:spPr>
-        <p:txBody>
-          <a:bodyPr vert="horz" lIns="91440" tIns="45720" rIns="91440" bIns="45720" rtlCol="0">
-            <a:normAutofit/>
-          </a:bodyPr>
-          <a:lstStyle>
-            <a:lvl1pPr marL="342900" indent="-342900" algn="l" defTabSz="457200" rtl="0" eaLnBrk="1" latinLnBrk="0" hangingPunct="1">
-              <a:spcBef>
-                <a:spcPts val="1000"/>
-              </a:spcBef>
-              <a:spcAft>
-                <a:spcPts val="0"/>
-              </a:spcAft>
-              <a:buClr>
-                <a:schemeClr val="accent1"/>
-              </a:buClr>
-              <a:buSzPct val="80000"/>
-              <a:buFont typeface="Wingdings 3" charset="2"/>
-              <a:buChar char=""/>
-              <a:defRPr sz="2000" b="0" i="0" kern="1200">
-                <a:solidFill>
-                  <a:schemeClr val="tx1"/>
-                </a:solidFill>
-                <a:latin typeface="+mj-lt"/>
-                <a:ea typeface="+mj-ea"/>
-                <a:cs typeface="+mj-cs"/>
-              </a:defRPr>
-            </a:lvl1pPr>
-            <a:lvl2pPr marL="742950" indent="-285750" algn="l" defTabSz="457200" rtl="0" eaLnBrk="1" latinLnBrk="0" hangingPunct="1">
-              <a:spcBef>
-                <a:spcPts val="1000"/>
-              </a:spcBef>
-              <a:spcAft>
-                <a:spcPts val="0"/>
-              </a:spcAft>
-              <a:buClr>
-                <a:schemeClr val="accent1"/>
-              </a:buClr>
-              <a:buSzPct val="80000"/>
-              <a:buFont typeface="Wingdings 3" charset="2"/>
-              <a:buChar char=""/>
-              <a:defRPr sz="1800" b="0" i="0" kern="1200">
-                <a:solidFill>
-                  <a:schemeClr val="tx1"/>
-                </a:solidFill>
-                <a:latin typeface="+mj-lt"/>
-                <a:ea typeface="+mj-ea"/>
-                <a:cs typeface="+mj-cs"/>
-              </a:defRPr>
-            </a:lvl2pPr>
-            <a:lvl3pPr marL="1143000" indent="-228600" algn="l" defTabSz="457200" rtl="0" eaLnBrk="1" latinLnBrk="0" hangingPunct="1">
-              <a:spcBef>
-                <a:spcPts val="1000"/>
-              </a:spcBef>
-              <a:spcAft>
-                <a:spcPts val="0"/>
-              </a:spcAft>
-              <a:buClr>
-                <a:schemeClr val="accent1"/>
-              </a:buClr>
-              <a:buSzPct val="80000"/>
-              <a:buFont typeface="Wingdings 3" charset="2"/>
-              <a:buChar char=""/>
-              <a:defRPr sz="1600" b="0" i="0" kern="1200">
-                <a:solidFill>
-                  <a:schemeClr val="tx1"/>
-                </a:solidFill>
-                <a:latin typeface="+mj-lt"/>
-                <a:ea typeface="+mj-ea"/>
-                <a:cs typeface="+mj-cs"/>
-              </a:defRPr>
-            </a:lvl3pPr>
-            <a:lvl4pPr marL="1600200" indent="-228600" algn="l" defTabSz="457200" rtl="0" eaLnBrk="1" latinLnBrk="0" hangingPunct="1">
-              <a:spcBef>
-                <a:spcPts val="1000"/>
-              </a:spcBef>
-              <a:spcAft>
-                <a:spcPts val="0"/>
-              </a:spcAft>
-              <a:buClr>
-                <a:schemeClr val="accent1"/>
-              </a:buClr>
-              <a:buSzPct val="80000"/>
-              <a:buFont typeface="Wingdings 3" charset="2"/>
-              <a:buChar char=""/>
-              <a:defRPr sz="1400" b="0" i="0" kern="1200">
-                <a:solidFill>
-                  <a:schemeClr val="tx1"/>
-                </a:solidFill>
-                <a:latin typeface="+mj-lt"/>
-                <a:ea typeface="+mj-ea"/>
-                <a:cs typeface="+mj-cs"/>
-              </a:defRPr>
-            </a:lvl4pPr>
-            <a:lvl5pPr marL="2057400" indent="-228600" algn="l" defTabSz="457200" rtl="0" eaLnBrk="1" latinLnBrk="0" hangingPunct="1">
-              <a:spcBef>
-                <a:spcPts val="1000"/>
-              </a:spcBef>
-              <a:spcAft>
-                <a:spcPts val="0"/>
-              </a:spcAft>
-              <a:buClr>
-                <a:schemeClr val="accent1"/>
-              </a:buClr>
-              <a:buSzPct val="80000"/>
-              <a:buFont typeface="Wingdings 3" charset="2"/>
-              <a:buChar char=""/>
-              <a:defRPr sz="1400" b="0" i="0" kern="1200">
-                <a:solidFill>
-                  <a:schemeClr val="tx1"/>
-                </a:solidFill>
-                <a:latin typeface="+mj-lt"/>
-                <a:ea typeface="+mj-ea"/>
-                <a:cs typeface="+mj-cs"/>
-              </a:defRPr>
-            </a:lvl5pPr>
-            <a:lvl6pPr marL="2514600" indent="-228600" algn="l" defTabSz="457200" rtl="0" eaLnBrk="1" latinLnBrk="0" hangingPunct="1">
-              <a:spcBef>
-                <a:spcPts val="1000"/>
-              </a:spcBef>
-              <a:spcAft>
-                <a:spcPts val="0"/>
-              </a:spcAft>
-              <a:buClr>
-                <a:schemeClr val="accent1"/>
-              </a:buClr>
-              <a:buSzPct val="80000"/>
-              <a:buFont typeface="Wingdings 3" charset="2"/>
-              <a:buChar char=""/>
-              <a:defRPr sz="1400" b="0" i="0" kern="1200">
-                <a:solidFill>
-                  <a:schemeClr val="tx1"/>
-                </a:solidFill>
-                <a:latin typeface="+mj-lt"/>
-                <a:ea typeface="+mj-ea"/>
-                <a:cs typeface="+mj-cs"/>
-              </a:defRPr>
-            </a:lvl6pPr>
-            <a:lvl7pPr marL="2971800" indent="-228600" algn="l" defTabSz="457200" rtl="0" eaLnBrk="1" latinLnBrk="0" hangingPunct="1">
-              <a:spcBef>
-                <a:spcPts val="1000"/>
-              </a:spcBef>
-              <a:spcAft>
-                <a:spcPts val="0"/>
-              </a:spcAft>
-              <a:buClr>
-                <a:schemeClr val="accent1"/>
-              </a:buClr>
-              <a:buSzPct val="80000"/>
-              <a:buFont typeface="Wingdings 3" charset="2"/>
-              <a:buChar char=""/>
-              <a:defRPr sz="1400" b="0" i="0" kern="1200">
-                <a:solidFill>
-                  <a:schemeClr val="tx1"/>
-                </a:solidFill>
-                <a:latin typeface="+mj-lt"/>
-                <a:ea typeface="+mj-ea"/>
-                <a:cs typeface="+mj-cs"/>
-              </a:defRPr>
-            </a:lvl7pPr>
-            <a:lvl8pPr marL="3429000" indent="-228600" algn="l" defTabSz="457200" rtl="0" eaLnBrk="1" latinLnBrk="0" hangingPunct="1">
-              <a:spcBef>
-                <a:spcPts val="1000"/>
-              </a:spcBef>
-              <a:spcAft>
-                <a:spcPts val="0"/>
-              </a:spcAft>
-              <a:buClr>
-                <a:schemeClr val="accent1"/>
-              </a:buClr>
-              <a:buSzPct val="80000"/>
-              <a:buFont typeface="Wingdings 3" charset="2"/>
-              <a:buChar char=""/>
-              <a:defRPr sz="1400" b="0" i="0" kern="1200">
-                <a:solidFill>
-                  <a:schemeClr val="tx1"/>
-                </a:solidFill>
-                <a:latin typeface="+mj-lt"/>
-                <a:ea typeface="+mj-ea"/>
-                <a:cs typeface="+mj-cs"/>
-              </a:defRPr>
-            </a:lvl8pPr>
-            <a:lvl9pPr marL="3886200" indent="-228600" algn="l" defTabSz="457200" rtl="0" eaLnBrk="1" latinLnBrk="0" hangingPunct="1">
-              <a:spcBef>
-                <a:spcPts val="1000"/>
-              </a:spcBef>
-              <a:spcAft>
-                <a:spcPts val="0"/>
-              </a:spcAft>
-              <a:buClr>
-                <a:schemeClr val="accent1"/>
-              </a:buClr>
-              <a:buSzPct val="80000"/>
-              <a:buFont typeface="Wingdings 3" charset="2"/>
-              <a:buChar char=""/>
-              <a:defRPr sz="1400" b="0" i="0" kern="1200">
-                <a:solidFill>
-                  <a:schemeClr val="tx1"/>
-                </a:solidFill>
-                <a:latin typeface="+mj-lt"/>
-                <a:ea typeface="+mj-ea"/>
-                <a:cs typeface="+mj-cs"/>
-              </a:defRPr>
-            </a:lvl9pPr>
-          </a:lstStyle>
-          <a:p>
-            <a:r>
-              <a:rPr lang="en-US" dirty="0">
-                <a:hlinkClick r:id="rId5"/>
-              </a:rPr>
-              <a:t>https://www.w3schools.com/css/css_align.asp</a:t>
-            </a:r>
-            <a:endParaRPr lang="en-US" dirty="0"/>
-          </a:p>
-        </p:txBody>
-      </p:sp>
-    </p:spTree>
-    <p:extLst>
-      <p:ext uri="{BB962C8B-B14F-4D97-AF65-F5344CB8AC3E}">
-        <p14:creationId xmlns:p14="http://schemas.microsoft.com/office/powerpoint/2010/main" val="2963235598"/>
-      </p:ext>
-    </p:extLst>
-  </p:cSld>
-  <p:clrMapOvr>
-    <a:masterClrMapping/>
-  </p:clrMapOvr>
-</p:sld>
-</file>
-
-<file path=ppt/slides/slide9.xml><?xml version="1.0" encoding="utf-8"?>
-<p:sld xmlns:a="http://schemas.openxmlformats.org/drawingml/2006/main" xmlns:r="http://schemas.openxmlformats.org/officeDocument/2006/relationships" xmlns:p="http://schemas.openxmlformats.org/presentationml/2006/main">
-  <p:cSld>
-    <p:spTree>
-      <p:nvGrpSpPr>
-        <p:cNvPr id="1" name=""/>
-        <p:cNvGrpSpPr/>
-        <p:nvPr/>
-      </p:nvGrpSpPr>
-      <p:grpSpPr>
-        <a:xfrm>
-          <a:off x="0" y="0"/>
-          <a:ext cx="0" cy="0"/>
-          <a:chOff x="0" y="0"/>
-          <a:chExt cx="0" cy="0"/>
-        </a:xfrm>
-      </p:grpSpPr>
-      <p:sp>
-        <p:nvSpPr>
-          <p:cNvPr id="2" name="Title 1">
-            <a:extLst>
-              <a:ext uri="{FF2B5EF4-FFF2-40B4-BE49-F238E27FC236}">
                 <a16:creationId xmlns:a16="http://schemas.microsoft.com/office/drawing/2014/main" id="{57208EDE-8E7A-4292-BF06-9E6B8CFDAAFC}"/>
               </a:ext>
             </a:extLst>
@@ -10118,46 +8178,16 @@
             </a:r>
           </a:p>
           <a:p>
+            <a:endParaRPr lang="en-US" dirty="0"/>
+          </a:p>
+          <a:p>
+            <a:r>
+              <a:rPr lang="en-US" dirty="0"/>
+              <a:t>Save this as “</a:t>
+            </a:r>
             <a:r>
               <a:rPr lang="en-US" b="1" dirty="0"/>
-              <a:t>Center align </a:t>
-            </a:r>
-            <a:r>
-              <a:rPr lang="en-US" dirty="0"/>
-              <a:t>the whole </a:t>
-            </a:r>
-            <a:r>
-              <a:rPr lang="en-US" dirty="0">
-                <a:solidFill>
-                  <a:srgbClr val="FFFF00"/>
-                </a:solidFill>
-              </a:rPr>
-              <a:t>&lt;table&gt; </a:t>
-            </a:r>
-            <a:r>
-              <a:rPr lang="en-US" dirty="0"/>
-              <a:t>element using margins to align it to the center of the page.</a:t>
-            </a:r>
-          </a:p>
-          <a:p>
-            <a:endParaRPr lang="en-US" dirty="0"/>
-          </a:p>
-          <a:p>
-            <a:r>
-              <a:rPr lang="en-US" dirty="0"/>
-              <a:t>Save this as </a:t>
-            </a:r>
-            <a:r>
-              <a:rPr lang="en-US"/>
-              <a:t>“</a:t>
-            </a:r>
-            <a:r>
-              <a:rPr lang="en-US" b="1"/>
-              <a:t>assignment9.</a:t>
-            </a:r>
-            <a:r>
-              <a:rPr lang="en-US" b="1" dirty="0"/>
-              <a:t>html</a:t>
+              <a:t>assignment9.html</a:t>
             </a:r>
             <a:r>
               <a:rPr lang="en-US" dirty="0"/>
@@ -10268,6 +8298,13 @@
   <p:clrMapOvr>
     <a:masterClrMapping/>
   </p:clrMapOvr>
+  <p:timing>
+    <p:tnLst>
+      <p:par>
+        <p:cTn id="1" dur="indefinite" restart="never" nodeType="tmRoot"/>
+      </p:par>
+    </p:tnLst>
+  </p:timing>
 </p:sld>
 </file>
 
